--- a/曹妍妍毕业答辩.pptx
+++ b/曹妍妍毕业答辩.pptx
@@ -142,6 +142,22 @@
       </a:defRPr>
     </a:lvl9pPr>
   </p:defaultTextStyle>
+  <p:extLst>
+    <p:ext uri="{EFAFB233-063F-42B5-8137-9DF3F51BA10A}">
+      <p15:sldGuideLst xmlns:p15="http://schemas.microsoft.com/office/powerpoint/2012/main">
+        <p15:guide id="1" orient="horz" pos="2160">
+          <p15:clr>
+            <a:srgbClr val="A4A3A4"/>
+          </p15:clr>
+        </p15:guide>
+        <p15:guide id="2" pos="2880">
+          <p15:clr>
+            <a:srgbClr val="A4A3A4"/>
+          </p15:clr>
+        </p15:guide>
+      </p15:sldGuideLst>
+    </p:ext>
+  </p:extLst>
 </p:presentation>
 </file>
 
@@ -227,7 +243,7 @@
           <a:p>
             <a:fld id="{9EEE8751-F336-45A0-863D-734BA6F2A5D5}" type="datetimeFigureOut">
               <a:rPr lang="zh-CN" altLang="en-US" smtClean="0"/>
-              <a:t>2017/6/1</a:t>
+              <a:t>2018/5/25</a:t>
             </a:fld>
             <a:endParaRPr lang="zh-CN" altLang="en-US"/>
           </a:p>
@@ -15105,7 +15121,7 @@
           <a:graphicData uri="http://schemas.openxmlformats.org/presentationml/2006/ole">
             <mc:AlternateContent xmlns:mc="http://schemas.openxmlformats.org/markup-compatibility/2006">
               <mc:Choice xmlns:v="urn:schemas-microsoft-com:vml" Requires="v">
-                <p:oleObj spid="_x0000_s3167" name="Equation" r:id="rId5" imgW="1155600" imgH="545760" progId="Equation.DSMT4">
+                <p:oleObj spid="_x0000_s3169" name="Equation" r:id="rId5" imgW="1155600" imgH="545760" progId="Equation.DSMT4">
                   <p:embed/>
                 </p:oleObj>
               </mc:Choice>
@@ -15162,7 +15178,7 @@
           <a:graphicData uri="http://schemas.openxmlformats.org/presentationml/2006/ole">
             <mc:AlternateContent xmlns:mc="http://schemas.openxmlformats.org/markup-compatibility/2006">
               <mc:Choice xmlns:v="urn:schemas-microsoft-com:vml" Requires="v">
-                <p:oleObj spid="_x0000_s3168" name="Equation" r:id="rId7" imgW="1346040" imgH="419040" progId="Equation.DSMT4">
+                <p:oleObj spid="_x0000_s3170" name="Equation" r:id="rId7" imgW="1346040" imgH="419040" progId="Equation.DSMT4">
                   <p:embed/>
                 </p:oleObj>
               </mc:Choice>
@@ -16764,7 +16780,7 @@
           <a:graphicData uri="http://schemas.openxmlformats.org/presentationml/2006/ole">
             <mc:AlternateContent xmlns:mc="http://schemas.openxmlformats.org/markup-compatibility/2006">
               <mc:Choice xmlns:v="urn:schemas-microsoft-com:vml" Requires="v">
-                <p:oleObj spid="_x0000_s4143" name="Equation" r:id="rId7" imgW="1219200" imgH="419100" progId="Equation.DSMT4">
+                <p:oleObj spid="_x0000_s4144" name="Equation" r:id="rId7" imgW="1219200" imgH="419100" progId="Equation.DSMT4">
                   <p:embed/>
                 </p:oleObj>
               </mc:Choice>
@@ -28899,7 +28915,7 @@
           <a:graphicData uri="http://schemas.openxmlformats.org/presentationml/2006/ole">
             <mc:AlternateContent xmlns:mc="http://schemas.openxmlformats.org/markup-compatibility/2006">
               <mc:Choice xmlns:v="urn:schemas-microsoft-com:vml" Requires="v">
-                <p:oleObj spid="_x0000_s2243" name="Equation" r:id="rId3" imgW="190500" imgH="228600" progId="Equation.DSMT4">
+                <p:oleObj spid="_x0000_s2245" name="Equation" r:id="rId3" imgW="190500" imgH="228600" progId="Equation.DSMT4">
                   <p:embed/>
                 </p:oleObj>
               </mc:Choice>
@@ -28975,7 +28991,7 @@
           <a:graphicData uri="http://schemas.openxmlformats.org/presentationml/2006/ole">
             <mc:AlternateContent xmlns:mc="http://schemas.openxmlformats.org/markup-compatibility/2006">
               <mc:Choice xmlns:v="urn:schemas-microsoft-com:vml" Requires="v">
-                <p:oleObj spid="_x0000_s2244" name="Equation" r:id="rId5" imgW="203112" imgH="241195" progId="Equation.DSMT4">
+                <p:oleObj spid="_x0000_s2246" name="Equation" r:id="rId5" imgW="203112" imgH="241195" progId="Equation.DSMT4">
                   <p:embed/>
                 </p:oleObj>
               </mc:Choice>
